--- a/docs/ApresentacaoWebAppForContainers.pptx
+++ b/docs/ApresentacaoWebAppForContainers.pptx
@@ -5,13 +5,13 @@
     <p:sldMasterId id="2147483658" r:id="rId1"/>
   </p:sldMasterIdLst>
   <p:notesMasterIdLst>
-    <p:notesMasterId r:id="rId14"/>
+    <p:notesMasterId r:id="rId15"/>
   </p:notesMasterIdLst>
   <p:sldIdLst>
     <p:sldId id="256" r:id="rId2"/>
     <p:sldId id="258" r:id="rId3"/>
-    <p:sldId id="286" r:id="rId4"/>
-    <p:sldId id="302" r:id="rId5"/>
+    <p:sldId id="302" r:id="rId4"/>
+    <p:sldId id="311" r:id="rId5"/>
     <p:sldId id="303" r:id="rId6"/>
     <p:sldId id="304" r:id="rId7"/>
     <p:sldId id="285" r:id="rId8"/>
@@ -20,32 +20,33 @@
     <p:sldId id="310" r:id="rId11"/>
     <p:sldId id="309" r:id="rId12"/>
     <p:sldId id="306" r:id="rId13"/>
+    <p:sldId id="340" r:id="rId14"/>
   </p:sldIdLst>
   <p:sldSz cx="9144000" cy="5143500" type="screen16x9"/>
   <p:notesSz cx="6858000" cy="9144000"/>
   <p:embeddedFontLst>
     <p:embeddedFont>
       <p:font typeface="Calibri" panose="020F0502020204030204" pitchFamily="34" charset="0"/>
-      <p:regular r:id="rId15"/>
-      <p:bold r:id="rId16"/>
-      <p:italic r:id="rId17"/>
-      <p:boldItalic r:id="rId18"/>
+      <p:regular r:id="rId16"/>
+      <p:bold r:id="rId17"/>
+      <p:italic r:id="rId18"/>
+      <p:boldItalic r:id="rId19"/>
     </p:embeddedFont>
     <p:embeddedFont>
       <p:font typeface="Calibri Light" panose="020F0302020204030204" pitchFamily="34" charset="0"/>
-      <p:regular r:id="rId19"/>
-      <p:italic r:id="rId20"/>
+      <p:regular r:id="rId20"/>
+      <p:italic r:id="rId21"/>
     </p:embeddedFont>
     <p:embeddedFont>
       <p:font typeface="Nixie One" panose="020B0604020202020204" charset="0"/>
-      <p:regular r:id="rId21"/>
+      <p:regular r:id="rId22"/>
     </p:embeddedFont>
     <p:embeddedFont>
       <p:font typeface="Roboto" panose="02000000000000000000" pitchFamily="2" charset="0"/>
-      <p:regular r:id="rId22"/>
-      <p:bold r:id="rId23"/>
-      <p:italic r:id="rId24"/>
-      <p:boldItalic r:id="rId25"/>
+      <p:regular r:id="rId23"/>
+      <p:bold r:id="rId24"/>
+      <p:italic r:id="rId25"/>
+      <p:boldItalic r:id="rId26"/>
     </p:embeddedFont>
   </p:embeddedFontLst>
   <p:defaultTextStyle>
@@ -1021,6 +1022,115 @@
 </p:notes>
 </file>
 
+<file path=ppt/notesSlides/notesSlide13.xml><?xml version="1.0" encoding="utf-8"?>
+<p:notes xmlns:a="http://schemas.openxmlformats.org/drawingml/2006/main" xmlns:r="http://schemas.openxmlformats.org/officeDocument/2006/relationships" xmlns:p="http://schemas.openxmlformats.org/presentationml/2006/main" showMasterSp="0" showMasterPhAnim="0">
+  <p:cSld>
+    <p:spTree>
+      <p:nvGrpSpPr>
+        <p:cNvPr id="1" name="Shape 355"/>
+        <p:cNvGrpSpPr/>
+        <p:nvPr/>
+      </p:nvGrpSpPr>
+      <p:grpSpPr>
+        <a:xfrm>
+          <a:off x="0" y="0"/>
+          <a:ext cx="0" cy="0"/>
+          <a:chOff x="0" y="0"/>
+          <a:chExt cx="0" cy="0"/>
+        </a:xfrm>
+      </p:grpSpPr>
+      <p:sp>
+        <p:nvSpPr>
+          <p:cNvPr id="356" name="Google Shape;356;g35f391192_029:notes"/>
+          <p:cNvSpPr>
+            <a:spLocks noGrp="1" noRot="1" noChangeAspect="1"/>
+          </p:cNvSpPr>
+          <p:nvPr>
+            <p:ph type="sldImg" idx="2"/>
+          </p:nvPr>
+        </p:nvSpPr>
+        <p:spPr>
+          <a:xfrm>
+            <a:off x="381000" y="685800"/>
+            <a:ext cx="6096000" cy="3429000"/>
+          </a:xfrm>
+          <a:custGeom>
+            <a:avLst/>
+            <a:gdLst/>
+            <a:ahLst/>
+            <a:cxnLst/>
+            <a:rect l="l" t="t" r="r" b="b"/>
+            <a:pathLst>
+              <a:path w="120000" h="120000" extrusionOk="0">
+                <a:moveTo>
+                  <a:pt x="0" y="0"/>
+                </a:moveTo>
+                <a:lnTo>
+                  <a:pt x="120000" y="0"/>
+                </a:lnTo>
+                <a:lnTo>
+                  <a:pt x="120000" y="120000"/>
+                </a:lnTo>
+                <a:lnTo>
+                  <a:pt x="0" y="120000"/>
+                </a:lnTo>
+                <a:close/>
+              </a:path>
+            </a:pathLst>
+          </a:custGeom>
+        </p:spPr>
+      </p:sp>
+      <p:sp>
+        <p:nvSpPr>
+          <p:cNvPr id="357" name="Google Shape;357;g35f391192_029:notes"/>
+          <p:cNvSpPr txBox="1">
+            <a:spLocks noGrp="1"/>
+          </p:cNvSpPr>
+          <p:nvPr>
+            <p:ph type="body" idx="1"/>
+          </p:nvPr>
+        </p:nvSpPr>
+        <p:spPr>
+          <a:xfrm>
+            <a:off x="685800" y="4343400"/>
+            <a:ext cx="5486400" cy="4114800"/>
+          </a:xfrm>
+          <a:prstGeom prst="rect">
+            <a:avLst/>
+          </a:prstGeom>
+        </p:spPr>
+        <p:txBody>
+          <a:bodyPr spcFirstLastPara="1" wrap="square" lIns="91425" tIns="91425" rIns="91425" bIns="91425" anchor="t" anchorCtr="0">
+            <a:noAutofit/>
+          </a:bodyPr>
+          <a:lstStyle/>
+          <a:p>
+            <a:pPr marL="0" lvl="0" indent="0" algn="l" rtl="0">
+              <a:spcBef>
+                <a:spcPts val="0"/>
+              </a:spcBef>
+              <a:spcAft>
+                <a:spcPts val="0"/>
+              </a:spcAft>
+              <a:buNone/>
+            </a:pPr>
+            <a:endParaRPr/>
+          </a:p>
+        </p:txBody>
+      </p:sp>
+    </p:spTree>
+    <p:extLst>
+      <p:ext uri="{BB962C8B-B14F-4D97-AF65-F5344CB8AC3E}">
+        <p14:creationId xmlns:p14="http://schemas.microsoft.com/office/powerpoint/2010/main" val="2005483846"/>
+      </p:ext>
+    </p:extLst>
+  </p:cSld>
+  <p:clrMapOvr>
+    <a:masterClrMapping/>
+  </p:clrMapOvr>
+</p:notes>
+</file>
+
 <file path=ppt/notesSlides/notesSlide2.xml><?xml version="1.0" encoding="utf-8"?>
 <p:notes xmlns:a="http://schemas.openxmlformats.org/drawingml/2006/main" xmlns:r="http://schemas.openxmlformats.org/officeDocument/2006/relationships" xmlns:p="http://schemas.openxmlformats.org/presentationml/2006/main" showMasterSp="0" showMasterPhAnim="0">
   <p:cSld>
@@ -1224,7 +1334,7 @@
     </p:spTree>
     <p:extLst>
       <p:ext uri="{BB962C8B-B14F-4D97-AF65-F5344CB8AC3E}">
-        <p14:creationId xmlns:p14="http://schemas.microsoft.com/office/powerpoint/2010/main" val="1408424799"/>
+        <p14:creationId xmlns:p14="http://schemas.microsoft.com/office/powerpoint/2010/main" val="2187174480"/>
       </p:ext>
     </p:extLst>
   </p:cSld>
@@ -1333,7 +1443,7 @@
     </p:spTree>
     <p:extLst>
       <p:ext uri="{BB962C8B-B14F-4D97-AF65-F5344CB8AC3E}">
-        <p14:creationId xmlns:p14="http://schemas.microsoft.com/office/powerpoint/2010/main" val="2187174480"/>
+        <p14:creationId xmlns:p14="http://schemas.microsoft.com/office/powerpoint/2010/main" val="1915890027"/>
       </p:ext>
     </p:extLst>
   </p:cSld>
@@ -6251,30 +6361,26 @@
               <a:buSzPct val="100000"/>
             </a:pPr>
             <a:r>
-              <a:rPr lang="pt-BR" sz="3800" dirty="0">
+              <a:rPr lang="en-US" sz="3800" dirty="0">
                 <a:latin typeface="Roboto" panose="02000000000000000000" pitchFamily="2" charset="0"/>
                 <a:ea typeface="Roboto" panose="02000000000000000000" pitchFamily="2" charset="0"/>
               </a:rPr>
-              <a:t>AKS-Conhecendo o </a:t>
-            </a:r>
-            <a:r>
-              <a:rPr lang="pt-BR" sz="3800" dirty="0" err="1">
+              <a:t>Web App for Containers e o Azure </a:t>
+            </a:r>
+            <a:r>
+              <a:rPr lang="en-US" sz="3800" dirty="0" err="1">
                 <a:latin typeface="Roboto" panose="02000000000000000000" pitchFamily="2" charset="0"/>
                 <a:ea typeface="Roboto" panose="02000000000000000000" pitchFamily="2" charset="0"/>
               </a:rPr>
-              <a:t>Kubernetes</a:t>
-            </a:r>
-            <a:r>
-              <a:rPr lang="pt-BR" sz="3800" dirty="0">
+              <a:t>SignalR</a:t>
+            </a:r>
+            <a:r>
+              <a:rPr lang="en-US" sz="3800" dirty="0">
                 <a:latin typeface="Roboto" panose="02000000000000000000" pitchFamily="2" charset="0"/>
                 <a:ea typeface="Roboto" panose="02000000000000000000" pitchFamily="2" charset="0"/>
               </a:rPr>
-              <a:t> no Azure</a:t>
-            </a:r>
-            <a:endParaRPr lang="en-US" sz="3800" dirty="0">
-              <a:latin typeface="Roboto" panose="02000000000000000000" pitchFamily="2" charset="0"/>
-              <a:ea typeface="Roboto" panose="02000000000000000000" pitchFamily="2" charset="0"/>
-            </a:endParaRPr>
+              <a:t> Services</a:t>
+            </a:r>
           </a:p>
         </p:txBody>
       </p:sp>
@@ -6497,44 +6603,6 @@
           <a:chExt cx="0" cy="0"/>
         </a:xfrm>
       </p:grpSpPr>
-      <p:sp>
-        <p:nvSpPr>
-          <p:cNvPr id="433" name="Google Shape;433;p22"/>
-          <p:cNvSpPr txBox="1">
-            <a:spLocks noGrp="1"/>
-          </p:cNvSpPr>
-          <p:nvPr>
-            <p:ph type="sldNum" sz="quarter" idx="12"/>
-          </p:nvPr>
-        </p:nvSpPr>
-        <p:spPr>
-          <a:prstGeom prst="rect">
-            <a:avLst/>
-          </a:prstGeom>
-        </p:spPr>
-        <p:txBody>
-          <a:bodyPr spcFirstLastPara="1" wrap="square" lIns="91425" tIns="91425" rIns="91425" bIns="91425" anchor="t" anchorCtr="0">
-            <a:noAutofit/>
-          </a:bodyPr>
-          <a:lstStyle/>
-          <a:p>
-            <a:pPr marL="0" lvl="0" indent="0" algn="l" rtl="0">
-              <a:spcBef>
-                <a:spcPts val="0"/>
-              </a:spcBef>
-              <a:spcAft>
-                <a:spcPts val="0"/>
-              </a:spcAft>
-              <a:buNone/>
-            </a:pPr>
-            <a:fld id="{00000000-1234-1234-1234-123412341234}" type="slidenum">
-              <a:rPr lang="en"/>
-              <a:t>10</a:t>
-            </a:fld>
-            <a:endParaRPr/>
-          </a:p>
-        </p:txBody>
-      </p:sp>
       <p:sp>
         <p:nvSpPr>
           <p:cNvPr id="430" name="Google Shape;430;p22"/>
@@ -7802,44 +7870,6 @@
       </p:pic>
       <p:sp>
         <p:nvSpPr>
-          <p:cNvPr id="433" name="Google Shape;433;p22"/>
-          <p:cNvSpPr txBox="1">
-            <a:spLocks noGrp="1"/>
-          </p:cNvSpPr>
-          <p:nvPr>
-            <p:ph type="sldNum" sz="quarter" idx="12"/>
-          </p:nvPr>
-        </p:nvSpPr>
-        <p:spPr>
-          <a:prstGeom prst="rect">
-            <a:avLst/>
-          </a:prstGeom>
-        </p:spPr>
-        <p:txBody>
-          <a:bodyPr spcFirstLastPara="1" wrap="square" lIns="91425" tIns="91425" rIns="91425" bIns="91425" anchor="t" anchorCtr="0">
-            <a:noAutofit/>
-          </a:bodyPr>
-          <a:lstStyle/>
-          <a:p>
-            <a:pPr marL="0" lvl="0" indent="0" algn="l" rtl="0">
-              <a:spcBef>
-                <a:spcPts val="0"/>
-              </a:spcBef>
-              <a:spcAft>
-                <a:spcPts val="0"/>
-              </a:spcAft>
-              <a:buNone/>
-            </a:pPr>
-            <a:fld id="{00000000-1234-1234-1234-123412341234}" type="slidenum">
-              <a:rPr lang="en"/>
-              <a:t>11</a:t>
-            </a:fld>
-            <a:endParaRPr/>
-          </a:p>
-        </p:txBody>
-      </p:sp>
-      <p:sp>
-        <p:nvSpPr>
           <p:cNvPr id="430" name="Google Shape;430;p22"/>
           <p:cNvSpPr txBox="1">
             <a:spLocks noGrp="1"/>
@@ -8592,6 +8622,167 @@
 </p:sld>
 </file>
 
+<file path=ppt/slides/slide13.xml><?xml version="1.0" encoding="utf-8"?>
+<p:sld xmlns:a="http://schemas.openxmlformats.org/drawingml/2006/main" xmlns:r="http://schemas.openxmlformats.org/officeDocument/2006/relationships" xmlns:p="http://schemas.openxmlformats.org/presentationml/2006/main">
+  <p:cSld>
+    <p:spTree>
+      <p:nvGrpSpPr>
+        <p:cNvPr id="1" name="Shape 358"/>
+        <p:cNvGrpSpPr/>
+        <p:nvPr/>
+      </p:nvGrpSpPr>
+      <p:grpSpPr>
+        <a:xfrm>
+          <a:off x="0" y="0"/>
+          <a:ext cx="0" cy="0"/>
+          <a:chOff x="0" y="0"/>
+          <a:chExt cx="0" cy="0"/>
+        </a:xfrm>
+      </p:grpSpPr>
+      <p:pic>
+        <p:nvPicPr>
+          <p:cNvPr id="3" name="Imagem 2">
+            <a:extLst>
+              <a:ext uri="{FF2B5EF4-FFF2-40B4-BE49-F238E27FC236}">
+                <a16:creationId xmlns:a16="http://schemas.microsoft.com/office/drawing/2014/main" id="{06E80B9A-899C-4D2B-9097-CC6C7F898270}"/>
+              </a:ext>
+            </a:extLst>
+          </p:cNvPr>
+          <p:cNvPicPr>
+            <a:picLocks noChangeAspect="1"/>
+          </p:cNvPicPr>
+          <p:nvPr/>
+        </p:nvPicPr>
+        <p:blipFill>
+          <a:blip r:embed="rId3"/>
+          <a:stretch>
+            <a:fillRect/>
+          </a:stretch>
+        </p:blipFill>
+        <p:spPr>
+          <a:xfrm>
+            <a:off x="2884372" y="1098150"/>
+            <a:ext cx="2947199" cy="2947199"/>
+          </a:xfrm>
+          <a:prstGeom prst="rect">
+            <a:avLst/>
+          </a:prstGeom>
+        </p:spPr>
+      </p:pic>
+      <p:sp>
+        <p:nvSpPr>
+          <p:cNvPr id="4" name="CaixaDeTexto 3">
+            <a:extLst>
+              <a:ext uri="{FF2B5EF4-FFF2-40B4-BE49-F238E27FC236}">
+                <a16:creationId xmlns:a16="http://schemas.microsoft.com/office/drawing/2014/main" id="{FA33B7B7-AC4F-4F40-8F60-901B2A74B1B0}"/>
+              </a:ext>
+            </a:extLst>
+          </p:cNvPr>
+          <p:cNvSpPr txBox="1"/>
+          <p:nvPr/>
+        </p:nvSpPr>
+        <p:spPr>
+          <a:xfrm>
+            <a:off x="2852142" y="4202606"/>
+            <a:ext cx="3193503" cy="369332"/>
+          </a:xfrm>
+          <a:prstGeom prst="rect">
+            <a:avLst/>
+          </a:prstGeom>
+          <a:noFill/>
+        </p:spPr>
+        <p:txBody>
+          <a:bodyPr wrap="none" rtlCol="0">
+            <a:spAutoFit/>
+          </a:bodyPr>
+          <a:lstStyle/>
+          <a:p>
+            <a:r>
+              <a:rPr lang="pt-BR" dirty="0">
+                <a:latin typeface="Roboto" panose="02000000000000000000" pitchFamily="2" charset="0"/>
+                <a:ea typeface="Roboto" panose="02000000000000000000" pitchFamily="2" charset="0"/>
+              </a:rPr>
+              <a:t>http://bit.ly/news-veronezdev</a:t>
+            </a:r>
+          </a:p>
+        </p:txBody>
+      </p:sp>
+      <p:sp>
+        <p:nvSpPr>
+          <p:cNvPr id="5" name="CaixaDeTexto 4">
+            <a:extLst>
+              <a:ext uri="{FF2B5EF4-FFF2-40B4-BE49-F238E27FC236}">
+                <a16:creationId xmlns:a16="http://schemas.microsoft.com/office/drawing/2014/main" id="{5D5D95BE-1FF4-438C-AAA0-24D83BB32A5C}"/>
+              </a:ext>
+            </a:extLst>
+          </p:cNvPr>
+          <p:cNvSpPr txBox="1"/>
+          <p:nvPr/>
+        </p:nvSpPr>
+        <p:spPr>
+          <a:xfrm>
+            <a:off x="2677062" y="356118"/>
+            <a:ext cx="3361818" cy="584775"/>
+          </a:xfrm>
+          <a:prstGeom prst="rect">
+            <a:avLst/>
+          </a:prstGeom>
+          <a:noFill/>
+        </p:spPr>
+        <p:txBody>
+          <a:bodyPr wrap="none" rtlCol="0">
+            <a:spAutoFit/>
+          </a:bodyPr>
+          <a:lstStyle/>
+          <a:p>
+            <a:r>
+              <a:rPr lang="en-US" sz="3200" dirty="0" err="1">
+                <a:latin typeface="Roboto" panose="02000000000000000000" pitchFamily="2" charset="0"/>
+                <a:ea typeface="Roboto" panose="02000000000000000000" pitchFamily="2" charset="0"/>
+              </a:rPr>
+              <a:t>Quer</a:t>
+            </a:r>
+            <a:r>
+              <a:rPr lang="en-US" sz="3200" dirty="0">
+                <a:latin typeface="Roboto" panose="02000000000000000000" pitchFamily="2" charset="0"/>
+                <a:ea typeface="Roboto" panose="02000000000000000000" pitchFamily="2" charset="0"/>
+              </a:rPr>
+              <a:t> saber </a:t>
+            </a:r>
+            <a:r>
+              <a:rPr lang="en-US" sz="3200" dirty="0" err="1">
+                <a:latin typeface="Roboto" panose="02000000000000000000" pitchFamily="2" charset="0"/>
+                <a:ea typeface="Roboto" panose="02000000000000000000" pitchFamily="2" charset="0"/>
+              </a:rPr>
+              <a:t>mais</a:t>
+            </a:r>
+            <a:r>
+              <a:rPr lang="en-US" sz="3200" dirty="0">
+                <a:latin typeface="Roboto" panose="02000000000000000000" pitchFamily="2" charset="0"/>
+                <a:ea typeface="Roboto" panose="02000000000000000000" pitchFamily="2" charset="0"/>
+              </a:rPr>
+              <a:t>?</a:t>
+            </a:r>
+            <a:endParaRPr lang="pt-BR" sz="3200" dirty="0">
+              <a:latin typeface="Roboto" panose="02000000000000000000" pitchFamily="2" charset="0"/>
+              <a:ea typeface="Roboto" panose="02000000000000000000" pitchFamily="2" charset="0"/>
+            </a:endParaRPr>
+          </a:p>
+        </p:txBody>
+      </p:sp>
+    </p:spTree>
+    <p:extLst>
+      <p:ext uri="{BB962C8B-B14F-4D97-AF65-F5344CB8AC3E}">
+        <p14:creationId xmlns:p14="http://schemas.microsoft.com/office/powerpoint/2010/main" val="234970178"/>
+      </p:ext>
+    </p:extLst>
+  </p:cSld>
+  <p:clrMapOvr>
+    <a:masterClrMapping/>
+  </p:clrMapOvr>
+</p:sld>
+</file>
+
 <file path=ppt/slides/slide2.xml><?xml version="1.0" encoding="utf-8"?>
 <p:sld xmlns:a="http://schemas.openxmlformats.org/drawingml/2006/main" xmlns:r="http://schemas.openxmlformats.org/officeDocument/2006/relationships" xmlns:p="http://schemas.openxmlformats.org/presentationml/2006/main">
   <p:cSld>
@@ -9015,6 +9206,36 @@
           <a:xfrm>
             <a:off x="3385580" y="1191862"/>
             <a:ext cx="3482360" cy="1957871"/>
+          </a:xfrm>
+          <a:prstGeom prst="rect">
+            <a:avLst/>
+          </a:prstGeom>
+        </p:spPr>
+      </p:pic>
+      <p:pic>
+        <p:nvPicPr>
+          <p:cNvPr id="7" name="Imagem 6">
+            <a:extLst>
+              <a:ext uri="{FF2B5EF4-FFF2-40B4-BE49-F238E27FC236}">
+                <a16:creationId xmlns:a16="http://schemas.microsoft.com/office/drawing/2014/main" id="{33D61CF7-6AB2-440A-9AF0-3A435AB1BF58}"/>
+              </a:ext>
+            </a:extLst>
+          </p:cNvPr>
+          <p:cNvPicPr>
+            <a:picLocks noChangeAspect="1"/>
+          </p:cNvPicPr>
+          <p:nvPr/>
+        </p:nvPicPr>
+        <p:blipFill>
+          <a:blip r:embed="rId6"/>
+          <a:stretch>
+            <a:fillRect/>
+          </a:stretch>
+        </p:blipFill>
+        <p:spPr>
+          <a:xfrm>
+            <a:off x="3385580" y="2571750"/>
+            <a:ext cx="2533358" cy="631163"/>
           </a:xfrm>
           <a:prstGeom prst="rect">
             <a:avLst/>
@@ -9046,422 +9267,12 @@
           <a:chExt cx="0" cy="0"/>
         </a:xfrm>
       </p:grpSpPr>
-      <p:sp>
-        <p:nvSpPr>
-          <p:cNvPr id="433" name="Google Shape;433;p22"/>
-          <p:cNvSpPr txBox="1">
-            <a:spLocks noGrp="1"/>
-          </p:cNvSpPr>
-          <p:nvPr>
-            <p:ph type="sldNum" sz="quarter" idx="12"/>
-          </p:nvPr>
-        </p:nvSpPr>
-        <p:spPr>
-          <a:prstGeom prst="rect">
-            <a:avLst/>
-          </a:prstGeom>
-        </p:spPr>
-        <p:txBody>
-          <a:bodyPr spcFirstLastPara="1" wrap="square" lIns="91425" tIns="91425" rIns="91425" bIns="91425" anchor="t" anchorCtr="0">
-            <a:noAutofit/>
-          </a:bodyPr>
-          <a:lstStyle/>
-          <a:p>
-            <a:pPr marL="0" lvl="0" indent="0" algn="l" rtl="0">
-              <a:spcBef>
-                <a:spcPts val="0"/>
-              </a:spcBef>
-              <a:spcAft>
-                <a:spcPts val="0"/>
-              </a:spcAft>
-              <a:buNone/>
-            </a:pPr>
-            <a:fld id="{00000000-1234-1234-1234-123412341234}" type="slidenum">
-              <a:rPr lang="en"/>
-              <a:t>3</a:t>
-            </a:fld>
-            <a:endParaRPr/>
-          </a:p>
-        </p:txBody>
-      </p:sp>
-      <p:sp>
-        <p:nvSpPr>
-          <p:cNvPr id="430" name="Google Shape;430;p22"/>
-          <p:cNvSpPr txBox="1">
-            <a:spLocks noGrp="1"/>
-          </p:cNvSpPr>
-          <p:nvPr>
-            <p:ph type="title" idx="4294967295"/>
-          </p:nvPr>
-        </p:nvSpPr>
-        <p:spPr>
-          <a:xfrm>
-            <a:off x="3501937" y="634193"/>
-            <a:ext cx="2140125" cy="644525"/>
-          </a:xfrm>
-          <a:prstGeom prst="rect">
-            <a:avLst/>
-          </a:prstGeom>
-        </p:spPr>
-        <p:txBody>
-          <a:bodyPr spcFirstLastPara="1" wrap="square" lIns="91425" tIns="91425" rIns="91425" bIns="91425" anchor="b" anchorCtr="0">
-            <a:noAutofit/>
-          </a:bodyPr>
-          <a:lstStyle/>
-          <a:p>
-            <a:pPr marL="0" lvl="0" indent="0" algn="ctr" rtl="0">
-              <a:spcBef>
-                <a:spcPts val="0"/>
-              </a:spcBef>
-              <a:spcAft>
-                <a:spcPts val="0"/>
-              </a:spcAft>
-              <a:buNone/>
-            </a:pPr>
-            <a:r>
-              <a:rPr lang="en-US" sz="4000" b="1" dirty="0">
-                <a:solidFill>
-                  <a:schemeClr val="tx1"/>
-                </a:solidFill>
-                <a:latin typeface="Roboto" panose="02000000000000000000" pitchFamily="2" charset="0"/>
-                <a:ea typeface="Roboto" panose="02000000000000000000" pitchFamily="2" charset="0"/>
-              </a:rPr>
-              <a:t>Pooling</a:t>
-            </a:r>
-            <a:endParaRPr sz="4000" b="1" dirty="0">
-              <a:solidFill>
-                <a:schemeClr val="tx1"/>
-              </a:solidFill>
-              <a:latin typeface="Roboto" panose="02000000000000000000" pitchFamily="2" charset="0"/>
-              <a:ea typeface="Roboto" panose="02000000000000000000" pitchFamily="2" charset="0"/>
-            </a:endParaRPr>
-          </a:p>
-        </p:txBody>
-      </p:sp>
-      <p:sp>
-        <p:nvSpPr>
-          <p:cNvPr id="17" name="Seta: para a Direita 16">
+      <p:pic>
+        <p:nvPicPr>
+          <p:cNvPr id="3" name="Imagem 2">
             <a:extLst>
               <a:ext uri="{FF2B5EF4-FFF2-40B4-BE49-F238E27FC236}">
-                <a16:creationId xmlns:a16="http://schemas.microsoft.com/office/drawing/2014/main" id="{0EBBC41A-104F-4509-B05A-DB1D2C87286F}"/>
-              </a:ext>
-            </a:extLst>
-          </p:cNvPr>
-          <p:cNvSpPr/>
-          <p:nvPr/>
-        </p:nvSpPr>
-        <p:spPr>
-          <a:xfrm>
-            <a:off x="2883363" y="2175871"/>
-            <a:ext cx="2482897" cy="213583"/>
-          </a:xfrm>
-          <a:prstGeom prst="rightArrow">
-            <a:avLst/>
-          </a:prstGeom>
-        </p:spPr>
-        <p:style>
-          <a:lnRef idx="2">
-            <a:schemeClr val="accent1">
-              <a:shade val="50000"/>
-            </a:schemeClr>
-          </a:lnRef>
-          <a:fillRef idx="1">
-            <a:schemeClr val="accent1"/>
-          </a:fillRef>
-          <a:effectRef idx="0">
-            <a:schemeClr val="accent1"/>
-          </a:effectRef>
-          <a:fontRef idx="minor">
-            <a:schemeClr val="lt1"/>
-          </a:fontRef>
-        </p:style>
-        <p:txBody>
-          <a:bodyPr rtlCol="0" anchor="ctr"/>
-          <a:lstStyle/>
-          <a:p>
-            <a:pPr algn="ctr"/>
-            <a:r>
-              <a:rPr lang="en-US" dirty="0">
-                <a:solidFill>
-                  <a:schemeClr val="tx1"/>
-                </a:solidFill>
-              </a:rPr>
-              <a:t>Request</a:t>
-            </a:r>
-          </a:p>
-        </p:txBody>
-      </p:sp>
-      <p:sp>
-        <p:nvSpPr>
-          <p:cNvPr id="20" name="Seta: para a Direita 19">
-            <a:extLst>
-              <a:ext uri="{FF2B5EF4-FFF2-40B4-BE49-F238E27FC236}">
-                <a16:creationId xmlns:a16="http://schemas.microsoft.com/office/drawing/2014/main" id="{C80DAB79-22DA-4BE2-9967-B3F8ADB209BD}"/>
-              </a:ext>
-            </a:extLst>
-          </p:cNvPr>
-          <p:cNvSpPr/>
-          <p:nvPr/>
-        </p:nvSpPr>
-        <p:spPr>
-          <a:xfrm>
-            <a:off x="2883361" y="2358167"/>
-            <a:ext cx="2482897" cy="213583"/>
-          </a:xfrm>
-          <a:prstGeom prst="rightArrow">
-            <a:avLst/>
-          </a:prstGeom>
-        </p:spPr>
-        <p:style>
-          <a:lnRef idx="2">
-            <a:schemeClr val="accent1">
-              <a:shade val="50000"/>
-            </a:schemeClr>
-          </a:lnRef>
-          <a:fillRef idx="1">
-            <a:schemeClr val="accent1"/>
-          </a:fillRef>
-          <a:effectRef idx="0">
-            <a:schemeClr val="accent1"/>
-          </a:effectRef>
-          <a:fontRef idx="minor">
-            <a:schemeClr val="lt1"/>
-          </a:fontRef>
-        </p:style>
-        <p:txBody>
-          <a:bodyPr rtlCol="0" anchor="ctr"/>
-          <a:lstStyle/>
-          <a:p>
-            <a:pPr algn="ctr"/>
-            <a:r>
-              <a:rPr lang="en-US" dirty="0">
-                <a:solidFill>
-                  <a:schemeClr val="tx1"/>
-                </a:solidFill>
-              </a:rPr>
-              <a:t>Request</a:t>
-            </a:r>
-          </a:p>
-        </p:txBody>
-      </p:sp>
-      <p:sp>
-        <p:nvSpPr>
-          <p:cNvPr id="21" name="Seta: para a Direita 20">
-            <a:extLst>
-              <a:ext uri="{FF2B5EF4-FFF2-40B4-BE49-F238E27FC236}">
-                <a16:creationId xmlns:a16="http://schemas.microsoft.com/office/drawing/2014/main" id="{2E976F93-FE8D-4AF5-A00E-E96A0E670FEB}"/>
-              </a:ext>
-            </a:extLst>
-          </p:cNvPr>
-          <p:cNvSpPr/>
-          <p:nvPr/>
-        </p:nvSpPr>
-        <p:spPr>
-          <a:xfrm>
-            <a:off x="2883361" y="2539038"/>
-            <a:ext cx="2482897" cy="213583"/>
-          </a:xfrm>
-          <a:prstGeom prst="rightArrow">
-            <a:avLst/>
-          </a:prstGeom>
-        </p:spPr>
-        <p:style>
-          <a:lnRef idx="2">
-            <a:schemeClr val="accent1">
-              <a:shade val="50000"/>
-            </a:schemeClr>
-          </a:lnRef>
-          <a:fillRef idx="1">
-            <a:schemeClr val="accent1"/>
-          </a:fillRef>
-          <a:effectRef idx="0">
-            <a:schemeClr val="accent1"/>
-          </a:effectRef>
-          <a:fontRef idx="minor">
-            <a:schemeClr val="lt1"/>
-          </a:fontRef>
-        </p:style>
-        <p:txBody>
-          <a:bodyPr rtlCol="0" anchor="ctr"/>
-          <a:lstStyle/>
-          <a:p>
-            <a:pPr algn="ctr"/>
-            <a:r>
-              <a:rPr lang="en-US" dirty="0">
-                <a:solidFill>
-                  <a:schemeClr val="tx1"/>
-                </a:solidFill>
-              </a:rPr>
-              <a:t>Request</a:t>
-            </a:r>
-          </a:p>
-        </p:txBody>
-      </p:sp>
-      <p:sp>
-        <p:nvSpPr>
-          <p:cNvPr id="22" name="Seta: para a Direita 21">
-            <a:extLst>
-              <a:ext uri="{FF2B5EF4-FFF2-40B4-BE49-F238E27FC236}">
-                <a16:creationId xmlns:a16="http://schemas.microsoft.com/office/drawing/2014/main" id="{79106FC9-CF7A-44F0-818D-3E94D908ED62}"/>
-              </a:ext>
-            </a:extLst>
-          </p:cNvPr>
-          <p:cNvSpPr/>
-          <p:nvPr/>
-        </p:nvSpPr>
-        <p:spPr>
-          <a:xfrm flipH="1">
-            <a:off x="2883360" y="2721334"/>
-            <a:ext cx="2482897" cy="213583"/>
-          </a:xfrm>
-          <a:prstGeom prst="rightArrow">
-            <a:avLst/>
-          </a:prstGeom>
-        </p:spPr>
-        <p:style>
-          <a:lnRef idx="2">
-            <a:schemeClr val="accent6">
-              <a:shade val="50000"/>
-            </a:schemeClr>
-          </a:lnRef>
-          <a:fillRef idx="1">
-            <a:schemeClr val="accent6"/>
-          </a:fillRef>
-          <a:effectRef idx="0">
-            <a:schemeClr val="accent6"/>
-          </a:effectRef>
-          <a:fontRef idx="minor">
-            <a:schemeClr val="lt1"/>
-          </a:fontRef>
-        </p:style>
-        <p:txBody>
-          <a:bodyPr rtlCol="0" anchor="ctr"/>
-          <a:lstStyle/>
-          <a:p>
-            <a:pPr algn="ctr"/>
-            <a:r>
-              <a:rPr lang="en-US" dirty="0">
-                <a:solidFill>
-                  <a:schemeClr val="tx1"/>
-                </a:solidFill>
-              </a:rPr>
-              <a:t>Response</a:t>
-            </a:r>
-          </a:p>
-        </p:txBody>
-      </p:sp>
-      <p:sp>
-        <p:nvSpPr>
-          <p:cNvPr id="24" name="Seta: para a Direita 23">
-            <a:extLst>
-              <a:ext uri="{FF2B5EF4-FFF2-40B4-BE49-F238E27FC236}">
-                <a16:creationId xmlns:a16="http://schemas.microsoft.com/office/drawing/2014/main" id="{B142619A-715D-40EC-9C39-4157C453B889}"/>
-              </a:ext>
-            </a:extLst>
-          </p:cNvPr>
-          <p:cNvSpPr/>
-          <p:nvPr/>
-        </p:nvSpPr>
-        <p:spPr>
-          <a:xfrm>
-            <a:off x="2883361" y="2933492"/>
-            <a:ext cx="2482897" cy="213583"/>
-          </a:xfrm>
-          <a:prstGeom prst="rightArrow">
-            <a:avLst/>
-          </a:prstGeom>
-        </p:spPr>
-        <p:style>
-          <a:lnRef idx="2">
-            <a:schemeClr val="accent1">
-              <a:shade val="50000"/>
-            </a:schemeClr>
-          </a:lnRef>
-          <a:fillRef idx="1">
-            <a:schemeClr val="accent1"/>
-          </a:fillRef>
-          <a:effectRef idx="0">
-            <a:schemeClr val="accent1"/>
-          </a:effectRef>
-          <a:fontRef idx="minor">
-            <a:schemeClr val="lt1"/>
-          </a:fontRef>
-        </p:style>
-        <p:txBody>
-          <a:bodyPr rtlCol="0" anchor="ctr"/>
-          <a:lstStyle/>
-          <a:p>
-            <a:pPr algn="ctr"/>
-            <a:r>
-              <a:rPr lang="en-US" dirty="0">
-                <a:solidFill>
-                  <a:schemeClr val="tx1"/>
-                </a:solidFill>
-              </a:rPr>
-              <a:t>Request</a:t>
-            </a:r>
-          </a:p>
-        </p:txBody>
-      </p:sp>
-      <p:sp>
-        <p:nvSpPr>
-          <p:cNvPr id="25" name="Seta: para a Direita 24">
-            <a:extLst>
-              <a:ext uri="{FF2B5EF4-FFF2-40B4-BE49-F238E27FC236}">
-                <a16:creationId xmlns:a16="http://schemas.microsoft.com/office/drawing/2014/main" id="{A4C00290-1FAE-420B-ADF0-DC80B5AE1A52}"/>
-              </a:ext>
-            </a:extLst>
-          </p:cNvPr>
-          <p:cNvSpPr/>
-          <p:nvPr/>
-        </p:nvSpPr>
-        <p:spPr>
-          <a:xfrm>
-            <a:off x="2883359" y="3115788"/>
-            <a:ext cx="2482897" cy="213583"/>
-          </a:xfrm>
-          <a:prstGeom prst="rightArrow">
-            <a:avLst/>
-          </a:prstGeom>
-        </p:spPr>
-        <p:style>
-          <a:lnRef idx="2">
-            <a:schemeClr val="accent1">
-              <a:shade val="50000"/>
-            </a:schemeClr>
-          </a:lnRef>
-          <a:fillRef idx="1">
-            <a:schemeClr val="accent1"/>
-          </a:fillRef>
-          <a:effectRef idx="0">
-            <a:schemeClr val="accent1"/>
-          </a:effectRef>
-          <a:fontRef idx="minor">
-            <a:schemeClr val="lt1"/>
-          </a:fontRef>
-        </p:style>
-        <p:txBody>
-          <a:bodyPr rtlCol="0" anchor="ctr"/>
-          <a:lstStyle/>
-          <a:p>
-            <a:pPr algn="ctr"/>
-            <a:r>
-              <a:rPr lang="en-US" dirty="0">
-                <a:solidFill>
-                  <a:schemeClr val="tx1"/>
-                </a:solidFill>
-              </a:rPr>
-              <a:t>Request</a:t>
-            </a:r>
-          </a:p>
-        </p:txBody>
-      </p:sp>
-      <p:pic>
-        <p:nvPicPr>
-          <p:cNvPr id="27" name="Imagem 26">
-            <a:extLst>
-              <a:ext uri="{FF2B5EF4-FFF2-40B4-BE49-F238E27FC236}">
-                <a16:creationId xmlns:a16="http://schemas.microsoft.com/office/drawing/2014/main" id="{11082103-AF8E-4331-AF9D-92DB4AE510CD}"/>
+                <a16:creationId xmlns:a16="http://schemas.microsoft.com/office/drawing/2014/main" id="{216031C9-A47E-43F7-B394-D71FC2B0FC52}"/>
               </a:ext>
             </a:extLst>
           </p:cNvPr>
@@ -9478,38 +9289,8 @@
         </p:blipFill>
         <p:spPr>
           <a:xfrm>
-            <a:off x="1036573" y="1964147"/>
-            <a:ext cx="1576948" cy="1576948"/>
-          </a:xfrm>
-          <a:prstGeom prst="rect">
-            <a:avLst/>
-          </a:prstGeom>
-        </p:spPr>
-      </p:pic>
-      <p:pic>
-        <p:nvPicPr>
-          <p:cNvPr id="29" name="Imagem 28">
-            <a:extLst>
-              <a:ext uri="{FF2B5EF4-FFF2-40B4-BE49-F238E27FC236}">
-                <a16:creationId xmlns:a16="http://schemas.microsoft.com/office/drawing/2014/main" id="{6DF374EC-9275-4015-99E8-CB6BCDB5875F}"/>
-              </a:ext>
-            </a:extLst>
-          </p:cNvPr>
-          <p:cNvPicPr>
-            <a:picLocks noChangeAspect="1"/>
-          </p:cNvPicPr>
-          <p:nvPr/>
-        </p:nvPicPr>
-        <p:blipFill>
-          <a:blip r:embed="rId4"/>
-          <a:stretch>
-            <a:fillRect/>
-          </a:stretch>
-        </p:blipFill>
-        <p:spPr>
-          <a:xfrm>
-            <a:off x="5631353" y="1964147"/>
-            <a:ext cx="2286000" cy="1819275"/>
+            <a:off x="-624626" y="0"/>
+            <a:ext cx="10210067" cy="5143500"/>
           </a:xfrm>
           <a:prstGeom prst="rect">
             <a:avLst/>
@@ -9519,361 +9300,13 @@
     </p:spTree>
     <p:extLst>
       <p:ext uri="{BB962C8B-B14F-4D97-AF65-F5344CB8AC3E}">
-        <p14:creationId xmlns:p14="http://schemas.microsoft.com/office/powerpoint/2010/main" val="2834295438"/>
+        <p14:creationId xmlns:p14="http://schemas.microsoft.com/office/powerpoint/2010/main" val="3666919680"/>
       </p:ext>
     </p:extLst>
   </p:cSld>
   <p:clrMapOvr>
     <a:masterClrMapping/>
   </p:clrMapOvr>
-  <p:timing>
-    <p:tnLst>
-      <p:par>
-        <p:cTn id="1" dur="indefinite" restart="never" nodeType="tmRoot">
-          <p:childTnLst>
-            <p:seq concurrent="1" nextAc="seek">
-              <p:cTn id="2" dur="indefinite" nodeType="mainSeq">
-                <p:childTnLst>
-                  <p:par>
-                    <p:cTn id="3" fill="hold">
-                      <p:stCondLst>
-                        <p:cond delay="indefinite"/>
-                      </p:stCondLst>
-                      <p:childTnLst>
-                        <p:par>
-                          <p:cTn id="4" fill="hold">
-                            <p:stCondLst>
-                              <p:cond delay="0"/>
-                            </p:stCondLst>
-                            <p:childTnLst>
-                              <p:par>
-                                <p:cTn id="5" presetID="1" presetClass="entr" presetSubtype="0" fill="hold" grpId="0" nodeType="clickEffect">
-                                  <p:stCondLst>
-                                    <p:cond delay="0"/>
-                                  </p:stCondLst>
-                                  <p:childTnLst>
-                                    <p:set>
-                                      <p:cBhvr>
-                                        <p:cTn id="6" dur="1" fill="hold">
-                                          <p:stCondLst>
-                                            <p:cond delay="0"/>
-                                          </p:stCondLst>
-                                        </p:cTn>
-                                        <p:tgtEl>
-                                          <p:spTgt spid="17"/>
-                                        </p:tgtEl>
-                                        <p:attrNameLst>
-                                          <p:attrName>style.visibility</p:attrName>
-                                        </p:attrNameLst>
-                                      </p:cBhvr>
-                                      <p:to>
-                                        <p:strVal val="visible"/>
-                                      </p:to>
-                                    </p:set>
-                                  </p:childTnLst>
-                                </p:cTn>
-                              </p:par>
-                            </p:childTnLst>
-                          </p:cTn>
-                        </p:par>
-                      </p:childTnLst>
-                    </p:cTn>
-                  </p:par>
-                  <p:par>
-                    <p:cTn id="7" fill="hold">
-                      <p:stCondLst>
-                        <p:cond delay="indefinite"/>
-                      </p:stCondLst>
-                      <p:childTnLst>
-                        <p:par>
-                          <p:cTn id="8" fill="hold">
-                            <p:stCondLst>
-                              <p:cond delay="0"/>
-                            </p:stCondLst>
-                            <p:childTnLst>
-                              <p:par>
-                                <p:cTn id="9" presetID="10" presetClass="entr" presetSubtype="0" fill="hold" grpId="0" nodeType="clickEffect">
-                                  <p:stCondLst>
-                                    <p:cond delay="0"/>
-                                  </p:stCondLst>
-                                  <p:childTnLst>
-                                    <p:set>
-                                      <p:cBhvr>
-                                        <p:cTn id="10" dur="1" fill="hold">
-                                          <p:stCondLst>
-                                            <p:cond delay="0"/>
-                                          </p:stCondLst>
-                                        </p:cTn>
-                                        <p:tgtEl>
-                                          <p:spTgt spid="20"/>
-                                        </p:tgtEl>
-                                        <p:attrNameLst>
-                                          <p:attrName>style.visibility</p:attrName>
-                                        </p:attrNameLst>
-                                      </p:cBhvr>
-                                      <p:to>
-                                        <p:strVal val="visible"/>
-                                      </p:to>
-                                    </p:set>
-                                    <p:animEffect transition="in" filter="fade">
-                                      <p:cBhvr>
-                                        <p:cTn id="11" dur="500"/>
-                                        <p:tgtEl>
-                                          <p:spTgt spid="20"/>
-                                        </p:tgtEl>
-                                      </p:cBhvr>
-                                    </p:animEffect>
-                                  </p:childTnLst>
-                                </p:cTn>
-                              </p:par>
-                            </p:childTnLst>
-                          </p:cTn>
-                        </p:par>
-                      </p:childTnLst>
-                    </p:cTn>
-                  </p:par>
-                  <p:par>
-                    <p:cTn id="12" fill="hold">
-                      <p:stCondLst>
-                        <p:cond delay="indefinite"/>
-                      </p:stCondLst>
-                      <p:childTnLst>
-                        <p:par>
-                          <p:cTn id="13" fill="hold">
-                            <p:stCondLst>
-                              <p:cond delay="0"/>
-                            </p:stCondLst>
-                            <p:childTnLst>
-                              <p:par>
-                                <p:cTn id="14" presetID="10" presetClass="entr" presetSubtype="0" fill="hold" grpId="0" nodeType="clickEffect">
-                                  <p:stCondLst>
-                                    <p:cond delay="0"/>
-                                  </p:stCondLst>
-                                  <p:childTnLst>
-                                    <p:set>
-                                      <p:cBhvr>
-                                        <p:cTn id="15" dur="1" fill="hold">
-                                          <p:stCondLst>
-                                            <p:cond delay="0"/>
-                                          </p:stCondLst>
-                                        </p:cTn>
-                                        <p:tgtEl>
-                                          <p:spTgt spid="21"/>
-                                        </p:tgtEl>
-                                        <p:attrNameLst>
-                                          <p:attrName>style.visibility</p:attrName>
-                                        </p:attrNameLst>
-                                      </p:cBhvr>
-                                      <p:to>
-                                        <p:strVal val="visible"/>
-                                      </p:to>
-                                    </p:set>
-                                    <p:animEffect transition="in" filter="fade">
-                                      <p:cBhvr>
-                                        <p:cTn id="16" dur="500"/>
-                                        <p:tgtEl>
-                                          <p:spTgt spid="21"/>
-                                        </p:tgtEl>
-                                      </p:cBhvr>
-                                    </p:animEffect>
-                                  </p:childTnLst>
-                                </p:cTn>
-                              </p:par>
-                            </p:childTnLst>
-                          </p:cTn>
-                        </p:par>
-                      </p:childTnLst>
-                    </p:cTn>
-                  </p:par>
-                  <p:par>
-                    <p:cTn id="17" fill="hold">
-                      <p:stCondLst>
-                        <p:cond delay="indefinite"/>
-                      </p:stCondLst>
-                      <p:childTnLst>
-                        <p:par>
-                          <p:cTn id="18" fill="hold">
-                            <p:stCondLst>
-                              <p:cond delay="0"/>
-                            </p:stCondLst>
-                            <p:childTnLst>
-                              <p:par>
-                                <p:cTn id="19" presetID="10" presetClass="entr" presetSubtype="0" fill="hold" grpId="0" nodeType="clickEffect">
-                                  <p:stCondLst>
-                                    <p:cond delay="0"/>
-                                  </p:stCondLst>
-                                  <p:childTnLst>
-                                    <p:set>
-                                      <p:cBhvr>
-                                        <p:cTn id="20" dur="1" fill="hold">
-                                          <p:stCondLst>
-                                            <p:cond delay="0"/>
-                                          </p:stCondLst>
-                                        </p:cTn>
-                                        <p:tgtEl>
-                                          <p:spTgt spid="22"/>
-                                        </p:tgtEl>
-                                        <p:attrNameLst>
-                                          <p:attrName>style.visibility</p:attrName>
-                                        </p:attrNameLst>
-                                      </p:cBhvr>
-                                      <p:to>
-                                        <p:strVal val="visible"/>
-                                      </p:to>
-                                    </p:set>
-                                    <p:animEffect transition="in" filter="fade">
-                                      <p:cBhvr>
-                                        <p:cTn id="21" dur="500"/>
-                                        <p:tgtEl>
-                                          <p:spTgt spid="22"/>
-                                        </p:tgtEl>
-                                      </p:cBhvr>
-                                    </p:animEffect>
-                                  </p:childTnLst>
-                                </p:cTn>
-                              </p:par>
-                            </p:childTnLst>
-                          </p:cTn>
-                        </p:par>
-                      </p:childTnLst>
-                    </p:cTn>
-                  </p:par>
-                  <p:par>
-                    <p:cTn id="22" fill="hold">
-                      <p:stCondLst>
-                        <p:cond delay="indefinite"/>
-                      </p:stCondLst>
-                      <p:childTnLst>
-                        <p:par>
-                          <p:cTn id="23" fill="hold">
-                            <p:stCondLst>
-                              <p:cond delay="0"/>
-                            </p:stCondLst>
-                            <p:childTnLst>
-                              <p:par>
-                                <p:cTn id="24" presetID="10" presetClass="entr" presetSubtype="0" fill="hold" grpId="0" nodeType="clickEffect">
-                                  <p:stCondLst>
-                                    <p:cond delay="0"/>
-                                  </p:stCondLst>
-                                  <p:childTnLst>
-                                    <p:set>
-                                      <p:cBhvr>
-                                        <p:cTn id="25" dur="1" fill="hold">
-                                          <p:stCondLst>
-                                            <p:cond delay="0"/>
-                                          </p:stCondLst>
-                                        </p:cTn>
-                                        <p:tgtEl>
-                                          <p:spTgt spid="24"/>
-                                        </p:tgtEl>
-                                        <p:attrNameLst>
-                                          <p:attrName>style.visibility</p:attrName>
-                                        </p:attrNameLst>
-                                      </p:cBhvr>
-                                      <p:to>
-                                        <p:strVal val="visible"/>
-                                      </p:to>
-                                    </p:set>
-                                    <p:animEffect transition="in" filter="fade">
-                                      <p:cBhvr>
-                                        <p:cTn id="26" dur="500"/>
-                                        <p:tgtEl>
-                                          <p:spTgt spid="24"/>
-                                        </p:tgtEl>
-                                      </p:cBhvr>
-                                    </p:animEffect>
-                                  </p:childTnLst>
-                                </p:cTn>
-                              </p:par>
-                            </p:childTnLst>
-                          </p:cTn>
-                        </p:par>
-                      </p:childTnLst>
-                    </p:cTn>
-                  </p:par>
-                  <p:par>
-                    <p:cTn id="27" fill="hold">
-                      <p:stCondLst>
-                        <p:cond delay="indefinite"/>
-                      </p:stCondLst>
-                      <p:childTnLst>
-                        <p:par>
-                          <p:cTn id="28" fill="hold">
-                            <p:stCondLst>
-                              <p:cond delay="0"/>
-                            </p:stCondLst>
-                            <p:childTnLst>
-                              <p:par>
-                                <p:cTn id="29" presetID="10" presetClass="entr" presetSubtype="0" fill="hold" grpId="0" nodeType="clickEffect">
-                                  <p:stCondLst>
-                                    <p:cond delay="0"/>
-                                  </p:stCondLst>
-                                  <p:childTnLst>
-                                    <p:set>
-                                      <p:cBhvr>
-                                        <p:cTn id="30" dur="1" fill="hold">
-                                          <p:stCondLst>
-                                            <p:cond delay="0"/>
-                                          </p:stCondLst>
-                                        </p:cTn>
-                                        <p:tgtEl>
-                                          <p:spTgt spid="25"/>
-                                        </p:tgtEl>
-                                        <p:attrNameLst>
-                                          <p:attrName>style.visibility</p:attrName>
-                                        </p:attrNameLst>
-                                      </p:cBhvr>
-                                      <p:to>
-                                        <p:strVal val="visible"/>
-                                      </p:to>
-                                    </p:set>
-                                    <p:animEffect transition="in" filter="fade">
-                                      <p:cBhvr>
-                                        <p:cTn id="31" dur="500"/>
-                                        <p:tgtEl>
-                                          <p:spTgt spid="25"/>
-                                        </p:tgtEl>
-                                      </p:cBhvr>
-                                    </p:animEffect>
-                                  </p:childTnLst>
-                                </p:cTn>
-                              </p:par>
-                            </p:childTnLst>
-                          </p:cTn>
-                        </p:par>
-                      </p:childTnLst>
-                    </p:cTn>
-                  </p:par>
-                </p:childTnLst>
-              </p:cTn>
-              <p:prevCondLst>
-                <p:cond evt="onPrev" delay="0">
-                  <p:tgtEl>
-                    <p:sldTgt/>
-                  </p:tgtEl>
-                </p:cond>
-              </p:prevCondLst>
-              <p:nextCondLst>
-                <p:cond evt="onNext" delay="0">
-                  <p:tgtEl>
-                    <p:sldTgt/>
-                  </p:tgtEl>
-                </p:cond>
-              </p:nextCondLst>
-            </p:seq>
-          </p:childTnLst>
-        </p:cTn>
-      </p:par>
-    </p:tnLst>
-    <p:bldLst>
-      <p:bldP spid="17" grpId="0" animBg="1"/>
-      <p:bldP spid="20" grpId="0" animBg="1"/>
-      <p:bldP spid="21" grpId="0" animBg="1"/>
-      <p:bldP spid="22" grpId="0" animBg="1"/>
-      <p:bldP spid="24" grpId="0" animBg="1"/>
-      <p:bldP spid="25" grpId="0" animBg="1"/>
-    </p:bldLst>
-  </p:timing>
 </p:sld>
 </file>
 
@@ -9894,44 +9327,6 @@
           <a:chExt cx="0" cy="0"/>
         </a:xfrm>
       </p:grpSpPr>
-      <p:sp>
-        <p:nvSpPr>
-          <p:cNvPr id="433" name="Google Shape;433;p22"/>
-          <p:cNvSpPr txBox="1">
-            <a:spLocks noGrp="1"/>
-          </p:cNvSpPr>
-          <p:nvPr>
-            <p:ph type="sldNum" sz="quarter" idx="12"/>
-          </p:nvPr>
-        </p:nvSpPr>
-        <p:spPr>
-          <a:prstGeom prst="rect">
-            <a:avLst/>
-          </a:prstGeom>
-        </p:spPr>
-        <p:txBody>
-          <a:bodyPr spcFirstLastPara="1" wrap="square" lIns="91425" tIns="91425" rIns="91425" bIns="91425" anchor="t" anchorCtr="0">
-            <a:noAutofit/>
-          </a:bodyPr>
-          <a:lstStyle/>
-          <a:p>
-            <a:pPr marL="0" lvl="0" indent="0" algn="l" rtl="0">
-              <a:spcBef>
-                <a:spcPts val="0"/>
-              </a:spcBef>
-              <a:spcAft>
-                <a:spcPts val="0"/>
-              </a:spcAft>
-              <a:buNone/>
-            </a:pPr>
-            <a:fld id="{00000000-1234-1234-1234-123412341234}" type="slidenum">
-              <a:rPr lang="en"/>
-              <a:t>4</a:t>
-            </a:fld>
-            <a:endParaRPr/>
-          </a:p>
-        </p:txBody>
-      </p:sp>
       <p:sp>
         <p:nvSpPr>
           <p:cNvPr id="430" name="Google Shape;430;p22"/>
@@ -10200,7 +9595,7 @@
     </p:spTree>
     <p:extLst>
       <p:ext uri="{BB962C8B-B14F-4D97-AF65-F5344CB8AC3E}">
-        <p14:creationId xmlns:p14="http://schemas.microsoft.com/office/powerpoint/2010/main" val="3666919680"/>
+        <p14:creationId xmlns:p14="http://schemas.microsoft.com/office/powerpoint/2010/main" val="105407808"/>
       </p:ext>
     </p:extLst>
   </p:cSld>
@@ -10413,44 +9808,6 @@
           <a:chExt cx="0" cy="0"/>
         </a:xfrm>
       </p:grpSpPr>
-      <p:sp>
-        <p:nvSpPr>
-          <p:cNvPr id="433" name="Google Shape;433;p22"/>
-          <p:cNvSpPr txBox="1">
-            <a:spLocks noGrp="1"/>
-          </p:cNvSpPr>
-          <p:nvPr>
-            <p:ph type="sldNum" sz="quarter" idx="12"/>
-          </p:nvPr>
-        </p:nvSpPr>
-        <p:spPr>
-          <a:prstGeom prst="rect">
-            <a:avLst/>
-          </a:prstGeom>
-        </p:spPr>
-        <p:txBody>
-          <a:bodyPr spcFirstLastPara="1" wrap="square" lIns="91425" tIns="91425" rIns="91425" bIns="91425" anchor="t" anchorCtr="0">
-            <a:noAutofit/>
-          </a:bodyPr>
-          <a:lstStyle/>
-          <a:p>
-            <a:pPr marL="0" lvl="0" indent="0" algn="l" rtl="0">
-              <a:spcBef>
-                <a:spcPts val="0"/>
-              </a:spcBef>
-              <a:spcAft>
-                <a:spcPts val="0"/>
-              </a:spcAft>
-              <a:buNone/>
-            </a:pPr>
-            <a:fld id="{00000000-1234-1234-1234-123412341234}" type="slidenum">
-              <a:rPr lang="en"/>
-              <a:t>5</a:t>
-            </a:fld>
-            <a:endParaRPr/>
-          </a:p>
-        </p:txBody>
-      </p:sp>
       <p:sp>
         <p:nvSpPr>
           <p:cNvPr id="430" name="Google Shape;430;p22"/>
@@ -11260,44 +10617,6 @@
       </p:grpSpPr>
       <p:sp>
         <p:nvSpPr>
-          <p:cNvPr id="433" name="Google Shape;433;p22"/>
-          <p:cNvSpPr txBox="1">
-            <a:spLocks noGrp="1"/>
-          </p:cNvSpPr>
-          <p:nvPr>
-            <p:ph type="sldNum" sz="quarter" idx="12"/>
-          </p:nvPr>
-        </p:nvSpPr>
-        <p:spPr>
-          <a:prstGeom prst="rect">
-            <a:avLst/>
-          </a:prstGeom>
-        </p:spPr>
-        <p:txBody>
-          <a:bodyPr spcFirstLastPara="1" wrap="square" lIns="91425" tIns="91425" rIns="91425" bIns="91425" anchor="t" anchorCtr="0">
-            <a:noAutofit/>
-          </a:bodyPr>
-          <a:lstStyle/>
-          <a:p>
-            <a:pPr marL="0" lvl="0" indent="0" algn="l" rtl="0">
-              <a:spcBef>
-                <a:spcPts val="0"/>
-              </a:spcBef>
-              <a:spcAft>
-                <a:spcPts val="0"/>
-              </a:spcAft>
-              <a:buNone/>
-            </a:pPr>
-            <a:fld id="{00000000-1234-1234-1234-123412341234}" type="slidenum">
-              <a:rPr lang="en"/>
-              <a:t>6</a:t>
-            </a:fld>
-            <a:endParaRPr/>
-          </a:p>
-        </p:txBody>
-      </p:sp>
-      <p:sp>
-        <p:nvSpPr>
           <p:cNvPr id="430" name="Google Shape;430;p22"/>
           <p:cNvSpPr txBox="1">
             <a:spLocks noGrp="1"/>
@@ -11876,44 +11195,6 @@
           <a:chExt cx="0" cy="0"/>
         </a:xfrm>
       </p:grpSpPr>
-      <p:sp>
-        <p:nvSpPr>
-          <p:cNvPr id="374" name="Google Shape;374;p16"/>
-          <p:cNvSpPr txBox="1">
-            <a:spLocks noGrp="1"/>
-          </p:cNvSpPr>
-          <p:nvPr>
-            <p:ph type="sldNum" sz="quarter" idx="12"/>
-          </p:nvPr>
-        </p:nvSpPr>
-        <p:spPr>
-          <a:prstGeom prst="rect">
-            <a:avLst/>
-          </a:prstGeom>
-        </p:spPr>
-        <p:txBody>
-          <a:bodyPr spcFirstLastPara="1" wrap="square" lIns="91425" tIns="91425" rIns="91425" bIns="91425" anchor="t" anchorCtr="0">
-            <a:noAutofit/>
-          </a:bodyPr>
-          <a:lstStyle/>
-          <a:p>
-            <a:pPr marL="0" lvl="0" indent="0" algn="l" rtl="0">
-              <a:spcBef>
-                <a:spcPts val="0"/>
-              </a:spcBef>
-              <a:spcAft>
-                <a:spcPts val="0"/>
-              </a:spcAft>
-              <a:buNone/>
-            </a:pPr>
-            <a:fld id="{00000000-1234-1234-1234-123412341234}" type="slidenum">
-              <a:rPr lang="en"/>
-              <a:t>7</a:t>
-            </a:fld>
-            <a:endParaRPr/>
-          </a:p>
-        </p:txBody>
-      </p:sp>
       <p:sp>
         <p:nvSpPr>
           <p:cNvPr id="372" name="Google Shape;372;p16"/>
@@ -12804,44 +12085,6 @@
       </p:grpSpPr>
       <p:sp>
         <p:nvSpPr>
-          <p:cNvPr id="374" name="Google Shape;374;p16"/>
-          <p:cNvSpPr txBox="1">
-            <a:spLocks noGrp="1"/>
-          </p:cNvSpPr>
-          <p:nvPr>
-            <p:ph type="sldNum" sz="quarter" idx="12"/>
-          </p:nvPr>
-        </p:nvSpPr>
-        <p:spPr>
-          <a:prstGeom prst="rect">
-            <a:avLst/>
-          </a:prstGeom>
-        </p:spPr>
-        <p:txBody>
-          <a:bodyPr spcFirstLastPara="1" wrap="square" lIns="91425" tIns="91425" rIns="91425" bIns="91425" anchor="t" anchorCtr="0">
-            <a:noAutofit/>
-          </a:bodyPr>
-          <a:lstStyle/>
-          <a:p>
-            <a:pPr marL="0" lvl="0" indent="0" algn="l" rtl="0">
-              <a:spcBef>
-                <a:spcPts val="0"/>
-              </a:spcBef>
-              <a:spcAft>
-                <a:spcPts val="0"/>
-              </a:spcAft>
-              <a:buNone/>
-            </a:pPr>
-            <a:fld id="{00000000-1234-1234-1234-123412341234}" type="slidenum">
-              <a:rPr lang="en"/>
-              <a:t>8</a:t>
-            </a:fld>
-            <a:endParaRPr/>
-          </a:p>
-        </p:txBody>
-      </p:sp>
-      <p:sp>
-        <p:nvSpPr>
           <p:cNvPr id="372" name="Google Shape;372;p16"/>
           <p:cNvSpPr txBox="1">
             <a:spLocks noGrp="1"/>
@@ -13592,44 +12835,6 @@
           </a:prstGeom>
         </p:spPr>
       </p:pic>
-      <p:sp>
-        <p:nvSpPr>
-          <p:cNvPr id="433" name="Google Shape;433;p22"/>
-          <p:cNvSpPr txBox="1">
-            <a:spLocks noGrp="1"/>
-          </p:cNvSpPr>
-          <p:nvPr>
-            <p:ph type="sldNum" sz="quarter" idx="12"/>
-          </p:nvPr>
-        </p:nvSpPr>
-        <p:spPr>
-          <a:prstGeom prst="rect">
-            <a:avLst/>
-          </a:prstGeom>
-        </p:spPr>
-        <p:txBody>
-          <a:bodyPr spcFirstLastPara="1" wrap="square" lIns="91425" tIns="91425" rIns="91425" bIns="91425" anchor="t" anchorCtr="0">
-            <a:noAutofit/>
-          </a:bodyPr>
-          <a:lstStyle/>
-          <a:p>
-            <a:pPr marL="0" lvl="0" indent="0" algn="l" rtl="0">
-              <a:spcBef>
-                <a:spcPts val="0"/>
-              </a:spcBef>
-              <a:spcAft>
-                <a:spcPts val="0"/>
-              </a:spcAft>
-              <a:buNone/>
-            </a:pPr>
-            <a:fld id="{00000000-1234-1234-1234-123412341234}" type="slidenum">
-              <a:rPr lang="en"/>
-              <a:t>9</a:t>
-            </a:fld>
-            <a:endParaRPr/>
-          </a:p>
-        </p:txBody>
-      </p:sp>
       <p:sp>
         <p:nvSpPr>
           <p:cNvPr id="430" name="Google Shape;430;p22"/>
